--- a/omics/Omics_Introduction_1030.pptx
+++ b/omics/Omics_Introduction_1030.pptx
@@ -17778,7 +17778,7 @@
           <a:p>
             <a:fld id="{2BC6D6CF-39EF-45FC-9893-E72A7FA67533}" type="datetimeFigureOut">
               <a:rPr lang="zh-CN" altLang="en-US" smtClean="0"/>
-              <a:t>2017/10/30</a:t>
+              <a:t>2017/11/9</a:t>
             </a:fld>
             <a:endParaRPr lang="zh-CN" altLang="en-US"/>
           </a:p>
@@ -17976,7 +17976,7 @@
           <a:p>
             <a:fld id="{2BC6D6CF-39EF-45FC-9893-E72A7FA67533}" type="datetimeFigureOut">
               <a:rPr lang="zh-CN" altLang="en-US" smtClean="0"/>
-              <a:t>2017/10/30</a:t>
+              <a:t>2017/11/9</a:t>
             </a:fld>
             <a:endParaRPr lang="zh-CN" altLang="en-US"/>
           </a:p>
@@ -18184,7 +18184,7 @@
           <a:p>
             <a:fld id="{2BC6D6CF-39EF-45FC-9893-E72A7FA67533}" type="datetimeFigureOut">
               <a:rPr lang="zh-CN" altLang="en-US" smtClean="0"/>
-              <a:t>2017/10/30</a:t>
+              <a:t>2017/11/9</a:t>
             </a:fld>
             <a:endParaRPr lang="zh-CN" altLang="en-US"/>
           </a:p>
@@ -18382,7 +18382,7 @@
           <a:p>
             <a:fld id="{2BC6D6CF-39EF-45FC-9893-E72A7FA67533}" type="datetimeFigureOut">
               <a:rPr lang="zh-CN" altLang="en-US" smtClean="0"/>
-              <a:t>2017/10/30</a:t>
+              <a:t>2017/11/9</a:t>
             </a:fld>
             <a:endParaRPr lang="zh-CN" altLang="en-US"/>
           </a:p>
@@ -18657,7 +18657,7 @@
           <a:p>
             <a:fld id="{2BC6D6CF-39EF-45FC-9893-E72A7FA67533}" type="datetimeFigureOut">
               <a:rPr lang="zh-CN" altLang="en-US" smtClean="0"/>
-              <a:t>2017/10/30</a:t>
+              <a:t>2017/11/9</a:t>
             </a:fld>
             <a:endParaRPr lang="zh-CN" altLang="en-US"/>
           </a:p>
@@ -18922,7 +18922,7 @@
           <a:p>
             <a:fld id="{2BC6D6CF-39EF-45FC-9893-E72A7FA67533}" type="datetimeFigureOut">
               <a:rPr lang="zh-CN" altLang="en-US" smtClean="0"/>
-              <a:t>2017/10/30</a:t>
+              <a:t>2017/11/9</a:t>
             </a:fld>
             <a:endParaRPr lang="zh-CN" altLang="en-US"/>
           </a:p>
@@ -19334,7 +19334,7 @@
           <a:p>
             <a:fld id="{2BC6D6CF-39EF-45FC-9893-E72A7FA67533}" type="datetimeFigureOut">
               <a:rPr lang="zh-CN" altLang="en-US" smtClean="0"/>
-              <a:t>2017/10/30</a:t>
+              <a:t>2017/11/9</a:t>
             </a:fld>
             <a:endParaRPr lang="zh-CN" altLang="en-US"/>
           </a:p>
@@ -19475,7 +19475,7 @@
           <a:p>
             <a:fld id="{2BC6D6CF-39EF-45FC-9893-E72A7FA67533}" type="datetimeFigureOut">
               <a:rPr lang="zh-CN" altLang="en-US" smtClean="0"/>
-              <a:t>2017/10/30</a:t>
+              <a:t>2017/11/9</a:t>
             </a:fld>
             <a:endParaRPr lang="zh-CN" altLang="en-US"/>
           </a:p>
@@ -19588,7 +19588,7 @@
           <a:p>
             <a:fld id="{2BC6D6CF-39EF-45FC-9893-E72A7FA67533}" type="datetimeFigureOut">
               <a:rPr lang="zh-CN" altLang="en-US" smtClean="0"/>
-              <a:t>2017/10/30</a:t>
+              <a:t>2017/11/9</a:t>
             </a:fld>
             <a:endParaRPr lang="zh-CN" altLang="en-US"/>
           </a:p>
@@ -19899,7 +19899,7 @@
           <a:p>
             <a:fld id="{2BC6D6CF-39EF-45FC-9893-E72A7FA67533}" type="datetimeFigureOut">
               <a:rPr lang="zh-CN" altLang="en-US" smtClean="0"/>
-              <a:t>2017/10/30</a:t>
+              <a:t>2017/11/9</a:t>
             </a:fld>
             <a:endParaRPr lang="zh-CN" altLang="en-US"/>
           </a:p>
@@ -20187,7 +20187,7 @@
           <a:p>
             <a:fld id="{2BC6D6CF-39EF-45FC-9893-E72A7FA67533}" type="datetimeFigureOut">
               <a:rPr lang="zh-CN" altLang="en-US" smtClean="0"/>
-              <a:t>2017/10/30</a:t>
+              <a:t>2017/11/9</a:t>
             </a:fld>
             <a:endParaRPr lang="zh-CN" altLang="en-US"/>
           </a:p>
@@ -20428,7 +20428,7 @@
           <a:p>
             <a:fld id="{2BC6D6CF-39EF-45FC-9893-E72A7FA67533}" type="datetimeFigureOut">
               <a:rPr lang="zh-CN" altLang="en-US" smtClean="0"/>
-              <a:t>2017/10/30</a:t>
+              <a:t>2017/11/9</a:t>
             </a:fld>
             <a:endParaRPr lang="zh-CN" altLang="en-US"/>
           </a:p>
@@ -21357,7 +21357,7 @@
         </p:blipFill>
         <p:spPr>
           <a:xfrm>
-            <a:off x="6416043" y="417439"/>
+            <a:off x="6416043" y="429965"/>
             <a:ext cx="5455917" cy="3778221"/>
           </a:xfrm>
           <a:prstGeom prst="rect">
